--- a/VAS-2015-02-05/velesanas-2015-02-05-gara-versija.pptx
+++ b/VAS-2015-02-05/velesanas-2015-02-05-gara-versija.pptx
@@ -7,17 +7,25 @@
     <p:sldMasterId id="2147483667" r:id="rId3"/>
   </p:sldMasterIdLst>
   <p:notesMasterIdLst>
-    <p:notesMasterId r:id="rId9"/>
+    <p:notesMasterId r:id="rId17"/>
   </p:notesMasterIdLst>
   <p:handoutMasterIdLst>
-    <p:handoutMasterId r:id="rId10"/>
+    <p:handoutMasterId r:id="rId18"/>
   </p:handoutMasterIdLst>
   <p:sldIdLst>
     <p:sldId id="256" r:id="rId4"/>
     <p:sldId id="290" r:id="rId5"/>
     <p:sldId id="294" r:id="rId6"/>
-    <p:sldId id="295" r:id="rId7"/>
-    <p:sldId id="300" r:id="rId8"/>
+    <p:sldId id="300" r:id="rId7"/>
+    <p:sldId id="306" r:id="rId8"/>
+    <p:sldId id="303" r:id="rId9"/>
+    <p:sldId id="304" r:id="rId10"/>
+    <p:sldId id="308" r:id="rId11"/>
+    <p:sldId id="309" r:id="rId12"/>
+    <p:sldId id="305" r:id="rId13"/>
+    <p:sldId id="302" r:id="rId14"/>
+    <p:sldId id="307" r:id="rId15"/>
+    <p:sldId id="301" r:id="rId16"/>
   </p:sldIdLst>
   <p:sldSz cx="9144000" cy="5143500" type="screen16x9"/>
   <p:notesSz cx="7099300" cy="10234613"/>
@@ -116,7 +124,41 @@
       </a:defRPr>
     </a:lvl9pPr>
   </p:defaultTextStyle>
-  <p:extLst/>
+  <p:extLst>
+    <p:ext uri="{521415D9-36F7-43E2-AB2F-B90AF26B5E84}">
+      <p14:sectionLst xmlns:p14="http://schemas.microsoft.com/office/powerpoint/2010/main">
+        <p14:section name="Default Section" id="{E6FB8483-6E30-4355-9FA5-3C9272114279}">
+          <p14:sldIdLst>
+            <p14:sldId id="256"/>
+            <p14:sldId id="290"/>
+          </p14:sldIdLst>
+        </p14:section>
+        <p14:section name="Kandidātu punkti" id="{30BFB3D8-0F16-4B93-A257-E8F0ACC00135}">
+          <p14:sldIdLst>
+            <p14:sldId id="294"/>
+            <p14:sldId id="300"/>
+          </p14:sldIdLst>
+        </p14:section>
+        <p14:section name="Tautskaites un izlases" id="{064D9E2E-97F8-4EC6-AD5D-9589A9199EF0}">
+          <p14:sldIdLst>
+            <p14:sldId id="306"/>
+            <p14:sldId id="303"/>
+            <p14:sldId id="304"/>
+          </p14:sldIdLst>
+        </p14:section>
+        <p14:section name="Konvekcija" id="{FEF4EEDC-67AB-43FB-9094-B7229D06D483}">
+          <p14:sldIdLst>
+            <p14:sldId id="308"/>
+            <p14:sldId id="309"/>
+            <p14:sldId id="305"/>
+            <p14:sldId id="302"/>
+            <p14:sldId id="307"/>
+            <p14:sldId id="301"/>
+          </p14:sldIdLst>
+        </p14:section>
+      </p14:sectionLst>
+    </p:ext>
+  </p:extLst>
 </p:presentation>
 </file>
 
@@ -208,7 +250,7 @@
           <a:p>
             <a:fld id="{3A3B34D6-6777-40CA-B215-158811C08A03}" type="datetimeFigureOut">
               <a:rPr lang="en-GB" smtClean="0"/>
-              <a:t>2015-01-19</a:t>
+              <a:t>2015-01-27</a:t>
             </a:fld>
             <a:endParaRPr lang="en-GB"/>
           </a:p>
@@ -1065,7 +1107,7 @@
             <a:pPr algn="r"/>
             <a:fld id="{59F38593-E0AF-4C4A-8A23-F1E93B36D532}" type="slidenum">
               <a:rPr lang="en-US" smtClean="0"/>
-              <a:t>5</a:t>
+              <a:t>4</a:t>
             </a:fld>
             <a:endParaRPr lang="en-US"/>
           </a:p>
@@ -1455,6 +1497,194 @@
 </file>
 
 <file path=ppt/slideLayouts/slideLayout6.xml><?xml version="1.0" encoding="utf-8"?>
+<p:sldLayout xmlns:a="http://schemas.openxmlformats.org/drawingml/2006/main" xmlns:r="http://schemas.openxmlformats.org/officeDocument/2006/relationships" xmlns:p="http://schemas.openxmlformats.org/presentationml/2006/main" userDrawn="1">
+  <p:cSld name="Custom Layout">
+    <p:spTree>
+      <p:nvGrpSpPr>
+        <p:cNvPr id="1" name=""/>
+        <p:cNvGrpSpPr/>
+        <p:nvPr/>
+      </p:nvGrpSpPr>
+      <p:grpSpPr>
+        <a:xfrm>
+          <a:off x="0" y="0"/>
+          <a:ext cx="0" cy="0"/>
+          <a:chOff x="0" y="0"/>
+          <a:chExt cx="0" cy="0"/>
+        </a:xfrm>
+      </p:grpSpPr>
+      <p:sp>
+        <p:nvSpPr>
+          <p:cNvPr id="2" name="Title 1"/>
+          <p:cNvSpPr>
+            <a:spLocks noGrp="1"/>
+          </p:cNvSpPr>
+          <p:nvPr>
+            <p:ph type="title" hasCustomPrompt="1"/>
+          </p:nvPr>
+        </p:nvSpPr>
+        <p:spPr/>
+        <p:txBody>
+          <a:bodyPr/>
+          <a:lstStyle>
+            <a:lvl1pPr>
+              <a:defRPr/>
+            </a:lvl1pPr>
+          </a:lstStyle>
+          <a:p>
+            <a:r>
+              <a:rPr lang="en-US" dirty="0" smtClean="0"/>
+              <a:t>Click to edit </a:t>
+            </a:r>
+            <a:r>
+              <a:rPr lang="lv-LV" dirty="0" smtClean="0"/>
+              <a:t>title</a:t>
+            </a:r>
+            <a:endParaRPr lang="en-GB" dirty="0"/>
+          </a:p>
+        </p:txBody>
+      </p:sp>
+      <p:sp>
+        <p:nvSpPr>
+          <p:cNvPr id="5" name="Text Placeholder 4"/>
+          <p:cNvSpPr>
+            <a:spLocks noGrp="1"/>
+          </p:cNvSpPr>
+          <p:nvPr>
+            <p:ph type="body" sz="quarter" idx="11"/>
+          </p:nvPr>
+        </p:nvSpPr>
+        <p:spPr>
+          <a:xfrm>
+            <a:off x="381000" y="2495550"/>
+            <a:ext cx="4800600" cy="2057400"/>
+          </a:xfrm>
+        </p:spPr>
+        <p:txBody>
+          <a:bodyPr/>
+          <a:lstStyle/>
+          <a:p>
+            <a:pPr lvl="0"/>
+            <a:r>
+              <a:rPr lang="en-US" smtClean="0"/>
+              <a:t>Click to edit Master text styles</a:t>
+            </a:r>
+          </a:p>
+          <a:p>
+            <a:pPr lvl="1"/>
+            <a:r>
+              <a:rPr lang="en-US" smtClean="0"/>
+              <a:t>Second level</a:t>
+            </a:r>
+          </a:p>
+          <a:p>
+            <a:pPr lvl="2"/>
+            <a:r>
+              <a:rPr lang="en-US" smtClean="0"/>
+              <a:t>Third level</a:t>
+            </a:r>
+          </a:p>
+          <a:p>
+            <a:pPr lvl="3"/>
+            <a:r>
+              <a:rPr lang="en-US" smtClean="0"/>
+              <a:t>Fourth level</a:t>
+            </a:r>
+          </a:p>
+          <a:p>
+            <a:pPr lvl="4"/>
+            <a:r>
+              <a:rPr lang="en-US" smtClean="0"/>
+              <a:t>Fifth level</a:t>
+            </a:r>
+            <a:endParaRPr lang="en-GB"/>
+          </a:p>
+        </p:txBody>
+      </p:sp>
+      <p:sp>
+        <p:nvSpPr>
+          <p:cNvPr id="7" name="Text Placeholder 6"/>
+          <p:cNvSpPr>
+            <a:spLocks noGrp="1"/>
+          </p:cNvSpPr>
+          <p:nvPr>
+            <p:ph type="body" sz="quarter" idx="12" hasCustomPrompt="1"/>
+          </p:nvPr>
+        </p:nvSpPr>
+        <p:spPr>
+          <a:xfrm>
+            <a:off x="381000" y="2038350"/>
+            <a:ext cx="5562600" cy="304800"/>
+          </a:xfrm>
+        </p:spPr>
+        <p:txBody>
+          <a:bodyPr>
+            <a:noAutofit/>
+          </a:bodyPr>
+          <a:lstStyle>
+            <a:lvl1pPr>
+              <a:defRPr sz="2000" b="0">
+                <a:solidFill>
+                  <a:schemeClr val="bg1"/>
+                </a:solidFill>
+              </a:defRPr>
+            </a:lvl1pPr>
+          </a:lstStyle>
+          <a:p>
+            <a:pPr lvl="0"/>
+            <a:r>
+              <a:rPr lang="en-US" dirty="0" smtClean="0"/>
+              <a:t>Click to </a:t>
+            </a:r>
+            <a:r>
+              <a:rPr lang="lv-LV" dirty="0" smtClean="0"/>
+              <a:t>e</a:t>
+            </a:r>
+            <a:r>
+              <a:rPr lang="en-US" dirty="0" err="1" smtClean="0"/>
+              <a:t>dit</a:t>
+            </a:r>
+            <a:r>
+              <a:rPr lang="en-US" dirty="0" smtClean="0"/>
+              <a:t> </a:t>
+            </a:r>
+            <a:r>
+              <a:rPr lang="lv-LV" dirty="0" smtClean="0"/>
+              <a:t>subtitle</a:t>
+            </a:r>
+            <a:endParaRPr lang="en-US" dirty="0" smtClean="0"/>
+          </a:p>
+        </p:txBody>
+      </p:sp>
+    </p:spTree>
+    <p:extLst>
+      <p:ext uri="{BB962C8B-B14F-4D97-AF65-F5344CB8AC3E}">
+        <p14:creationId xmlns:p14="http://schemas.microsoft.com/office/powerpoint/2010/main" val="1689309457"/>
+      </p:ext>
+    </p:extLst>
+  </p:cSld>
+  <p:clrMapOvr>
+    <a:masterClrMapping/>
+  </p:clrMapOvr>
+  <mc:AlternateContent xmlns:mc="http://schemas.openxmlformats.org/markup-compatibility/2006" xmlns:p14="http://schemas.microsoft.com/office/powerpoint/2010/main">
+    <mc:Choice Requires="p14">
+      <p:transition spd="slow" p14:dur="2000"/>
+    </mc:Choice>
+    <mc:Fallback xmlns="">
+      <p:transition spd="slow"/>
+    </mc:Fallback>
+  </mc:AlternateContent>
+  <p:timing>
+    <p:tnLst>
+      <p:par>
+        <p:cTn id="1" dur="indefinite" restart="never" nodeType="tmRoot"/>
+      </p:par>
+    </p:tnLst>
+  </p:timing>
+</p:sldLayout>
+</file>
+
+<file path=ppt/slideLayouts/slideLayout7.xml><?xml version="1.0" encoding="utf-8"?>
 <p:sldLayout xmlns:a="http://schemas.openxmlformats.org/drawingml/2006/main" xmlns:r="http://schemas.openxmlformats.org/officeDocument/2006/relationships" xmlns:p="http://schemas.openxmlformats.org/presentationml/2006/main" preserve="1" userDrawn="1">
   <p:cSld name="Custom Layout">
     <p:spTree>
@@ -1642,7 +1872,7 @@
 </p:sldLayout>
 </file>
 
-<file path=ppt/slideLayouts/slideLayout7.xml><?xml version="1.0" encoding="utf-8"?>
+<file path=ppt/slideLayouts/slideLayout8.xml><?xml version="1.0" encoding="utf-8"?>
 <p:sldLayout xmlns:a="http://schemas.openxmlformats.org/drawingml/2006/main" xmlns:r="http://schemas.openxmlformats.org/officeDocument/2006/relationships" xmlns:p="http://schemas.openxmlformats.org/presentationml/2006/main" type="obj">
   <p:cSld name="Title and Content">
     <p:spTree>
@@ -1767,7 +1997,7 @@
           <a:p>
             <a:fld id="{2924DBC1-556A-4EA0-9477-A2E8A2CDA29A}" type="datetimeFigureOut">
               <a:rPr lang="en-GB" smtClean="0"/>
-              <a:t>2015-01-19</a:t>
+              <a:t>2015-01-27</a:t>
             </a:fld>
             <a:endParaRPr lang="en-GB"/>
           </a:p>
@@ -1859,7 +2089,7 @@
 </p:sldLayout>
 </file>
 
-<file path=ppt/slideLayouts/slideLayout8.xml><?xml version="1.0" encoding="utf-8"?>
+<file path=ppt/slideLayouts/slideLayout9.xml><?xml version="1.0" encoding="utf-8"?>
 <p:sldLayout xmlns:a="http://schemas.openxmlformats.org/drawingml/2006/main" xmlns:r="http://schemas.openxmlformats.org/officeDocument/2006/relationships" xmlns:p="http://schemas.openxmlformats.org/presentationml/2006/main" userDrawn="1">
   <p:cSld name="Title, Content">
     <p:spTree>
@@ -2404,7 +2634,7 @@
           <p:nvPr/>
         </p:nvPicPr>
         <p:blipFill>
-          <a:blip r:embed="rId5"/>
+          <a:blip r:embed="rId6"/>
           <a:stretch>
             <a:fillRect/>
           </a:stretch>
@@ -2607,7 +2837,7 @@
           <p:nvPr/>
         </p:nvPicPr>
         <p:blipFill>
-          <a:blip r:embed="rId6"/>
+          <a:blip r:embed="rId7"/>
           <a:stretch>
             <a:fillRect/>
           </a:stretch>
@@ -2918,6 +3148,7 @@
     <p:sldLayoutId id="2147483663" r:id="rId1"/>
     <p:sldLayoutId id="2147483664" r:id="rId2"/>
     <p:sldLayoutId id="2147483665" r:id="rId3"/>
+    <p:sldLayoutId id="2147483671" r:id="rId4"/>
   </p:sldLayoutIdLst>
   <p:timing>
     <p:tnLst>
@@ -3624,6 +3855,564 @@
 </p:sld>
 </file>
 
+<file path=ppt/slides/slide10.xml><?xml version="1.0" encoding="utf-8"?>
+<p:sld xmlns:a="http://schemas.openxmlformats.org/drawingml/2006/main" xmlns:r="http://schemas.openxmlformats.org/officeDocument/2006/relationships" xmlns:p="http://schemas.openxmlformats.org/presentationml/2006/main">
+  <p:cSld>
+    <p:spTree>
+      <p:nvGrpSpPr>
+        <p:cNvPr id="1" name=""/>
+        <p:cNvGrpSpPr/>
+        <p:nvPr/>
+      </p:nvGrpSpPr>
+      <p:grpSpPr>
+        <a:xfrm>
+          <a:off x="0" y="0"/>
+          <a:ext cx="0" cy="0"/>
+          <a:chOff x="0" y="0"/>
+          <a:chExt cx="0" cy="0"/>
+        </a:xfrm>
+      </p:grpSpPr>
+      <p:sp>
+        <p:nvSpPr>
+          <p:cNvPr id="2" name="Title 1"/>
+          <p:cNvSpPr>
+            <a:spLocks noGrp="1"/>
+          </p:cNvSpPr>
+          <p:nvPr>
+            <p:ph type="title"/>
+          </p:nvPr>
+        </p:nvSpPr>
+        <p:spPr/>
+        <p:txBody>
+          <a:bodyPr/>
+          <a:lstStyle/>
+          <a:p>
+            <a:r>
+              <a:rPr lang="lv-LV" dirty="0" smtClean="0"/>
+              <a:t>Vēlētāju pievešana ar autobusiem</a:t>
+            </a:r>
+            <a:endParaRPr lang="en-GB" dirty="0"/>
+          </a:p>
+        </p:txBody>
+      </p:sp>
+      <p:sp>
+        <p:nvSpPr>
+          <p:cNvPr id="3" name="Text Placeholder 2"/>
+          <p:cNvSpPr>
+            <a:spLocks noGrp="1"/>
+          </p:cNvSpPr>
+          <p:nvPr>
+            <p:ph type="body" idx="10"/>
+          </p:nvPr>
+        </p:nvSpPr>
+        <p:spPr>
+          <a:xfrm>
+            <a:off x="6129088" y="895320"/>
+            <a:ext cx="3014912" cy="3850920"/>
+          </a:xfrm>
+        </p:spPr>
+        <p:txBody>
+          <a:bodyPr/>
+          <a:lstStyle/>
+          <a:p>
+            <a:r>
+              <a:rPr lang="lv-LV" b="1" dirty="0" smtClean="0"/>
+              <a:t>1993.g. autobusi:</a:t>
+            </a:r>
+            <a:r>
+              <a:rPr lang="lv-LV" dirty="0" smtClean="0"/>
+              <a:t> </a:t>
+            </a:r>
+          </a:p>
+          <a:p>
+            <a:pPr marL="285750" indent="-285750">
+              <a:buFont typeface="Arial" panose="020B0604020202020204" pitchFamily="34" charset="0"/>
+              <a:buChar char="•"/>
+            </a:pPr>
+            <a:r>
+              <a:rPr lang="lv-LV" dirty="0" smtClean="0"/>
+              <a:t>Rīga </a:t>
+            </a:r>
+            <a:r>
+              <a:rPr lang="lv-LV" dirty="0" smtClean="0">
+                <a:latin typeface="Arial Unicode MS"/>
+                <a:ea typeface="Arial Unicode MS"/>
+                <a:cs typeface="Arial Unicode MS"/>
+              </a:rPr>
+              <a:t>→</a:t>
+            </a:r>
+            <a:r>
+              <a:rPr lang="lv-LV" dirty="0" smtClean="0"/>
+              <a:t> Jelgava (Ozolnieki?)</a:t>
+            </a:r>
+          </a:p>
+          <a:p>
+            <a:endParaRPr lang="lv-LV" dirty="0" smtClean="0"/>
+          </a:p>
+          <a:p>
+            <a:r>
+              <a:rPr lang="lv-LV" b="1" dirty="0" smtClean="0"/>
+              <a:t>Perspektīvie autobusu virzieni:</a:t>
+            </a:r>
+          </a:p>
+          <a:p>
+            <a:pPr marL="285750" lvl="2" indent="-285750">
+              <a:buFont typeface="Arial" panose="020B0604020202020204" pitchFamily="34" charset="0"/>
+              <a:buChar char="•"/>
+            </a:pPr>
+            <a:r>
+              <a:rPr lang="lv-LV" dirty="0" smtClean="0"/>
+              <a:t>Jēkabpils(Z) </a:t>
+            </a:r>
+            <a:r>
+              <a:rPr lang="lv-LV" dirty="0" smtClean="0">
+                <a:latin typeface="Arial Unicode MS"/>
+                <a:ea typeface="Arial Unicode MS"/>
+                <a:cs typeface="Arial Unicode MS"/>
+              </a:rPr>
+              <a:t>→</a:t>
+            </a:r>
+            <a:r>
+              <a:rPr lang="lv-LV" dirty="0" smtClean="0"/>
+              <a:t> Līvāni(L)</a:t>
+            </a:r>
+          </a:p>
+          <a:p>
+            <a:pPr marL="285750" lvl="2" indent="-285750">
+              <a:buFont typeface="Arial" panose="020B0604020202020204" pitchFamily="34" charset="0"/>
+              <a:buChar char="•"/>
+            </a:pPr>
+            <a:r>
+              <a:rPr lang="lv-LV" dirty="0" smtClean="0"/>
+              <a:t>Gulbene(V) </a:t>
+            </a:r>
+            <a:r>
+              <a:rPr lang="lv-LV" dirty="0" smtClean="0">
+                <a:latin typeface="Arial Unicode MS"/>
+                <a:ea typeface="Arial Unicode MS"/>
+                <a:cs typeface="Arial Unicode MS"/>
+              </a:rPr>
+              <a:t>→ </a:t>
+            </a:r>
+            <a:r>
+              <a:rPr lang="lv-LV" dirty="0" smtClean="0"/>
+              <a:t>Balvi(L)</a:t>
+            </a:r>
+          </a:p>
+          <a:p>
+            <a:pPr marL="285750" lvl="2" indent="-285750">
+              <a:buFont typeface="Arial" panose="020B0604020202020204" pitchFamily="34" charset="0"/>
+              <a:buChar char="•"/>
+            </a:pPr>
+            <a:r>
+              <a:rPr lang="lv-LV" dirty="0" smtClean="0"/>
+              <a:t>Varakļāni(V) </a:t>
+            </a:r>
+            <a:r>
+              <a:rPr lang="lv-LV" dirty="0" smtClean="0">
+                <a:latin typeface="Arial Unicode MS"/>
+                <a:ea typeface="Arial Unicode MS"/>
+                <a:cs typeface="Arial Unicode MS"/>
+              </a:rPr>
+              <a:t>→</a:t>
+            </a:r>
+            <a:r>
+              <a:rPr lang="lv-LV" dirty="0" smtClean="0"/>
+              <a:t> Viļāni(L)</a:t>
+            </a:r>
+            <a:endParaRPr lang="en-GB" dirty="0"/>
+          </a:p>
+        </p:txBody>
+      </p:sp>
+      <p:pic>
+        <p:nvPicPr>
+          <p:cNvPr id="2050" name="Picture 2" descr="http://www.diena.lv/uploads/thumbnails/705x457/article/0075/747645/2498043_ORIGINAL_1282659181.jpg.jpg"/>
+          <p:cNvPicPr>
+            <a:picLocks noChangeAspect="1" noChangeArrowheads="1"/>
+          </p:cNvPicPr>
+          <p:nvPr/>
+        </p:nvPicPr>
+        <p:blipFill>
+          <a:blip r:embed="rId2">
+            <a:extLst>
+              <a:ext uri="{28A0092B-C50C-407E-A947-70E740481C1C}">
+                <a14:useLocalDpi xmlns:a14="http://schemas.microsoft.com/office/drawing/2010/main" val="0"/>
+              </a:ext>
+            </a:extLst>
+          </a:blip>
+          <a:srcRect/>
+          <a:stretch>
+            <a:fillRect/>
+          </a:stretch>
+        </p:blipFill>
+        <p:spPr bwMode="auto">
+          <a:xfrm>
+            <a:off x="76200" y="666750"/>
+            <a:ext cx="5995121" cy="3886200"/>
+          </a:xfrm>
+          <a:prstGeom prst="rect">
+            <a:avLst/>
+          </a:prstGeom>
+          <a:noFill/>
+          <a:extLst>
+            <a:ext uri="{909E8E84-426E-40DD-AFC4-6F175D3DCCD1}">
+              <a14:hiddenFill xmlns:a14="http://schemas.microsoft.com/office/drawing/2010/main">
+                <a:solidFill>
+                  <a:srgbClr val="FFFFFF"/>
+                </a:solidFill>
+              </a14:hiddenFill>
+            </a:ext>
+          </a:extLst>
+        </p:spPr>
+      </p:pic>
+    </p:spTree>
+    <p:extLst>
+      <p:ext uri="{BB962C8B-B14F-4D97-AF65-F5344CB8AC3E}">
+        <p14:creationId xmlns:p14="http://schemas.microsoft.com/office/powerpoint/2010/main" val="3671904095"/>
+      </p:ext>
+    </p:extLst>
+  </p:cSld>
+  <p:clrMapOvr>
+    <a:masterClrMapping/>
+  </p:clrMapOvr>
+</p:sld>
+</file>
+
+<file path=ppt/slides/slide11.xml><?xml version="1.0" encoding="utf-8"?>
+<p:sld xmlns:a="http://schemas.openxmlformats.org/drawingml/2006/main" xmlns:r="http://schemas.openxmlformats.org/officeDocument/2006/relationships" xmlns:p="http://schemas.openxmlformats.org/presentationml/2006/main">
+  <p:cSld>
+    <p:spTree>
+      <p:nvGrpSpPr>
+        <p:cNvPr id="1" name=""/>
+        <p:cNvGrpSpPr/>
+        <p:nvPr/>
+      </p:nvGrpSpPr>
+      <p:grpSpPr>
+        <a:xfrm>
+          <a:off x="0" y="0"/>
+          <a:ext cx="0" cy="0"/>
+          <a:chOff x="0" y="0"/>
+          <a:chExt cx="0" cy="0"/>
+        </a:xfrm>
+      </p:grpSpPr>
+      <p:sp>
+        <p:nvSpPr>
+          <p:cNvPr id="4" name="Title 3"/>
+          <p:cNvSpPr>
+            <a:spLocks noGrp="1"/>
+          </p:cNvSpPr>
+          <p:nvPr>
+            <p:ph type="title"/>
+          </p:nvPr>
+        </p:nvSpPr>
+        <p:spPr/>
+        <p:txBody>
+          <a:bodyPr/>
+          <a:lstStyle/>
+          <a:p>
+            <a:r>
+              <a:rPr lang="lv-LV" dirty="0" smtClean="0"/>
+              <a:t>Secinājumi</a:t>
+            </a:r>
+            <a:endParaRPr lang="en-GB" dirty="0"/>
+          </a:p>
+        </p:txBody>
+      </p:sp>
+      <p:sp>
+        <p:nvSpPr>
+          <p:cNvPr id="5" name="Text Placeholder 4"/>
+          <p:cNvSpPr>
+            <a:spLocks noGrp="1"/>
+          </p:cNvSpPr>
+          <p:nvPr>
+            <p:ph type="body" sz="quarter" idx="11"/>
+          </p:nvPr>
+        </p:nvSpPr>
+        <p:spPr/>
+        <p:txBody>
+          <a:bodyPr/>
+          <a:lstStyle/>
+          <a:p>
+            <a:pPr marL="285750" indent="-285750">
+              <a:buFont typeface="Arial" panose="020B0604020202020204" pitchFamily="34" charset="0"/>
+              <a:buChar char="•"/>
+            </a:pPr>
+            <a:r>
+              <a:rPr lang="lv-LV" dirty="0" smtClean="0"/>
+              <a:t>Mērķtiecīga vēlēšanu procedūras izmantošana var iespaidot dažu mandātu sadalījumu.</a:t>
+            </a:r>
+          </a:p>
+          <a:p>
+            <a:pPr marL="285750" indent="-285750">
+              <a:buFont typeface="Arial" panose="020B0604020202020204" pitchFamily="34" charset="0"/>
+              <a:buChar char="•"/>
+            </a:pPr>
+            <a:r>
+              <a:rPr lang="lv-LV" dirty="0" smtClean="0"/>
+              <a:t>Lielāka nozīme ir likuma varai un preses brīvībai – bet tās ir grūtāk izmērīt.</a:t>
+            </a:r>
+            <a:endParaRPr lang="en-GB" dirty="0"/>
+          </a:p>
+        </p:txBody>
+      </p:sp>
+      <p:sp>
+        <p:nvSpPr>
+          <p:cNvPr id="2" name="Text Placeholder 1"/>
+          <p:cNvSpPr>
+            <a:spLocks noGrp="1"/>
+          </p:cNvSpPr>
+          <p:nvPr>
+            <p:ph type="body" sz="quarter" idx="12"/>
+          </p:nvPr>
+        </p:nvSpPr>
+        <p:spPr/>
+        <p:txBody>
+          <a:bodyPr/>
+          <a:lstStyle/>
+          <a:p>
+            <a:endParaRPr lang="en-GB" dirty="0"/>
+          </a:p>
+        </p:txBody>
+      </p:sp>
+    </p:spTree>
+    <p:extLst>
+      <p:ext uri="{BB962C8B-B14F-4D97-AF65-F5344CB8AC3E}">
+        <p14:creationId xmlns:p14="http://schemas.microsoft.com/office/powerpoint/2010/main" val="485163508"/>
+      </p:ext>
+    </p:extLst>
+  </p:cSld>
+  <p:clrMapOvr>
+    <a:masterClrMapping/>
+  </p:clrMapOvr>
+  <mc:AlternateContent xmlns:mc="http://schemas.openxmlformats.org/markup-compatibility/2006" xmlns:p14="http://schemas.microsoft.com/office/powerpoint/2010/main">
+    <mc:Choice Requires="p14">
+      <p:transition spd="slow" p14:dur="2000"/>
+    </mc:Choice>
+    <mc:Fallback xmlns="">
+      <p:transition spd="slow"/>
+    </mc:Fallback>
+  </mc:AlternateContent>
+  <p:timing>
+    <p:tnLst>
+      <p:par>
+        <p:cTn id="1" dur="indefinite" restart="never" nodeType="tmRoot"/>
+      </p:par>
+    </p:tnLst>
+  </p:timing>
+</p:sld>
+</file>
+
+<file path=ppt/slides/slide12.xml><?xml version="1.0" encoding="utf-8"?>
+<p:sld xmlns:a="http://schemas.openxmlformats.org/drawingml/2006/main" xmlns:r="http://schemas.openxmlformats.org/officeDocument/2006/relationships" xmlns:p="http://schemas.openxmlformats.org/presentationml/2006/main">
+  <p:cSld>
+    <p:spTree>
+      <p:nvGrpSpPr>
+        <p:cNvPr id="1" name=""/>
+        <p:cNvGrpSpPr/>
+        <p:nvPr/>
+      </p:nvGrpSpPr>
+      <p:grpSpPr>
+        <a:xfrm>
+          <a:off x="0" y="0"/>
+          <a:ext cx="0" cy="0"/>
+          <a:chOff x="0" y="0"/>
+          <a:chExt cx="0" cy="0"/>
+        </a:xfrm>
+      </p:grpSpPr>
+      <p:sp>
+        <p:nvSpPr>
+          <p:cNvPr id="6" name="Title 5"/>
+          <p:cNvSpPr>
+            <a:spLocks noGrp="1"/>
+          </p:cNvSpPr>
+          <p:nvPr>
+            <p:ph type="title"/>
+          </p:nvPr>
+        </p:nvSpPr>
+        <p:spPr/>
+        <p:txBody>
+          <a:bodyPr/>
+          <a:lstStyle/>
+          <a:p>
+            <a:endParaRPr lang="en-GB"/>
+          </a:p>
+        </p:txBody>
+      </p:sp>
+      <p:sp>
+        <p:nvSpPr>
+          <p:cNvPr id="7" name="Text Placeholder 6"/>
+          <p:cNvSpPr>
+            <a:spLocks noGrp="1"/>
+          </p:cNvSpPr>
+          <p:nvPr>
+            <p:ph type="body" idx="10"/>
+          </p:nvPr>
+        </p:nvSpPr>
+        <p:spPr/>
+        <p:txBody>
+          <a:bodyPr/>
+          <a:lstStyle/>
+          <a:p>
+            <a:pPr marL="342900" indent="-342900">
+              <a:buFont typeface="Arial" panose="020B0604020202020204" pitchFamily="34" charset="0"/>
+              <a:buChar char="•"/>
+            </a:pPr>
+            <a:r>
+              <a:rPr lang="lv-LV" sz="2400" b="1" dirty="0" smtClean="0"/>
+              <a:t>Kandidātu ievērībai: </a:t>
+            </a:r>
+            <a:r>
+              <a:rPr lang="lv-LV" sz="2400" dirty="0" smtClean="0"/>
+              <a:t>Individuālās kampaņas ir efektīvas</a:t>
+            </a:r>
+          </a:p>
+          <a:p>
+            <a:pPr marL="342900" indent="-342900">
+              <a:buFont typeface="Arial" panose="020B0604020202020204" pitchFamily="34" charset="0"/>
+              <a:buChar char="•"/>
+            </a:pPr>
+            <a:r>
+              <a:rPr lang="lv-LV" sz="2400" b="1" dirty="0" smtClean="0"/>
+              <a:t>Latgola irā paveiceiguo Latvejis daļa! </a:t>
+            </a:r>
+            <a:br>
+              <a:rPr lang="lv-LV" sz="2400" b="1" dirty="0" smtClean="0"/>
+            </a:br>
+            <a:r>
+              <a:rPr lang="lv-LV" sz="2400" dirty="0" smtClean="0"/>
+              <a:t>2018.gada oktobrī balsosim Līvānos! </a:t>
+            </a:r>
+          </a:p>
+          <a:p>
+            <a:pPr marL="342900" indent="-342900">
+              <a:buFont typeface="Arial" panose="020B0604020202020204" pitchFamily="34" charset="0"/>
+              <a:buChar char="•"/>
+            </a:pPr>
+            <a:endParaRPr lang="lv-LV" sz="2400" dirty="0" smtClean="0"/>
+          </a:p>
+          <a:p>
+            <a:pPr marL="342900" indent="-342900">
+              <a:buFont typeface="Arial" panose="020B0604020202020204" pitchFamily="34" charset="0"/>
+              <a:buChar char="•"/>
+            </a:pPr>
+            <a:endParaRPr lang="lv-LV" sz="2400" dirty="0" smtClean="0"/>
+          </a:p>
+          <a:p>
+            <a:pPr marL="342900" indent="-342900">
+              <a:buFont typeface="Arial" panose="020B0604020202020204" pitchFamily="34" charset="0"/>
+              <a:buChar char="•"/>
+            </a:pPr>
+            <a:endParaRPr lang="lv-LV" sz="2400" dirty="0" smtClean="0"/>
+          </a:p>
+          <a:p>
+            <a:pPr marL="342900" indent="-342900">
+              <a:buFont typeface="Arial" panose="020B0604020202020204" pitchFamily="34" charset="0"/>
+              <a:buChar char="•"/>
+            </a:pPr>
+            <a:endParaRPr lang="en-GB" sz="2400" dirty="0"/>
+          </a:p>
+        </p:txBody>
+      </p:sp>
+    </p:spTree>
+    <p:extLst>
+      <p:ext uri="{BB962C8B-B14F-4D97-AF65-F5344CB8AC3E}">
+        <p14:creationId xmlns:p14="http://schemas.microsoft.com/office/powerpoint/2010/main" val="3554934507"/>
+      </p:ext>
+    </p:extLst>
+  </p:cSld>
+  <p:clrMapOvr>
+    <a:masterClrMapping/>
+  </p:clrMapOvr>
+  <mc:AlternateContent xmlns:mc="http://schemas.openxmlformats.org/markup-compatibility/2006" xmlns:p14="http://schemas.microsoft.com/office/powerpoint/2010/main">
+    <mc:Choice Requires="p14">
+      <p:transition spd="slow" p14:dur="2000"/>
+    </mc:Choice>
+    <mc:Fallback xmlns="">
+      <p:transition spd="slow"/>
+    </mc:Fallback>
+  </mc:AlternateContent>
+</p:sld>
+</file>
+
+<file path=ppt/slides/slide13.xml><?xml version="1.0" encoding="utf-8"?>
+<p:sld xmlns:a="http://schemas.openxmlformats.org/drawingml/2006/main" xmlns:r="http://schemas.openxmlformats.org/officeDocument/2006/relationships" xmlns:p="http://schemas.openxmlformats.org/presentationml/2006/main">
+  <p:cSld>
+    <p:spTree>
+      <p:nvGrpSpPr>
+        <p:cNvPr id="1" name=""/>
+        <p:cNvGrpSpPr/>
+        <p:nvPr/>
+      </p:nvGrpSpPr>
+      <p:grpSpPr>
+        <a:xfrm>
+          <a:off x="0" y="0"/>
+          <a:ext cx="0" cy="0"/>
+          <a:chOff x="0" y="0"/>
+          <a:chExt cx="0" cy="0"/>
+        </a:xfrm>
+      </p:grpSpPr>
+      <p:sp>
+        <p:nvSpPr>
+          <p:cNvPr id="2" name="Title 1"/>
+          <p:cNvSpPr>
+            <a:spLocks noGrp="1"/>
+          </p:cNvSpPr>
+          <p:nvPr>
+            <p:ph type="title"/>
+          </p:nvPr>
+        </p:nvSpPr>
+        <p:spPr/>
+        <p:txBody>
+          <a:bodyPr/>
+          <a:lstStyle/>
+          <a:p>
+            <a:r>
+              <a:rPr lang="lv-LV" dirty="0" smtClean="0"/>
+              <a:t>Leonīds Jākobsons</a:t>
+            </a:r>
+            <a:endParaRPr lang="en-GB" dirty="0"/>
+          </a:p>
+        </p:txBody>
+      </p:sp>
+      <p:sp>
+        <p:nvSpPr>
+          <p:cNvPr id="3" name="Text Placeholder 2"/>
+          <p:cNvSpPr>
+            <a:spLocks noGrp="1"/>
+          </p:cNvSpPr>
+          <p:nvPr>
+            <p:ph type="body" idx="10"/>
+          </p:nvPr>
+        </p:nvSpPr>
+        <p:spPr/>
+        <p:txBody>
+          <a:bodyPr/>
+          <a:lstStyle/>
+          <a:p>
+            <a:endParaRPr lang="en-GB"/>
+          </a:p>
+        </p:txBody>
+      </p:sp>
+    </p:spTree>
+    <p:extLst>
+      <p:ext uri="{BB962C8B-B14F-4D97-AF65-F5344CB8AC3E}">
+        <p14:creationId xmlns:p14="http://schemas.microsoft.com/office/powerpoint/2010/main" val="3896710995"/>
+      </p:ext>
+    </p:extLst>
+  </p:cSld>
+  <p:clrMapOvr>
+    <a:masterClrMapping/>
+  </p:clrMapOvr>
+  <p:timing>
+    <p:tnLst>
+      <p:par>
+        <p:cTn id="1" dur="indefinite" restart="never" nodeType="tmRoot"/>
+      </p:par>
+    </p:tnLst>
+  </p:timing>
+</p:sld>
+</file>
+
 <file path=ppt/slides/slide2.xml><?xml version="1.0" encoding="utf-8"?>
 <p:sld xmlns:a="http://schemas.openxmlformats.org/drawingml/2006/main" xmlns:r="http://schemas.openxmlformats.org/officeDocument/2006/relationships" xmlns:p="http://schemas.openxmlformats.org/presentationml/2006/main">
   <p:cSld>
@@ -3677,7 +4466,7 @@
         <p:spPr>
           <a:xfrm>
             <a:off x="152280" y="895320"/>
-            <a:ext cx="5791320" cy="3850920"/>
+            <a:ext cx="5791320" cy="2895630"/>
           </a:xfrm>
         </p:spPr>
         <p:txBody>
@@ -3689,21 +4478,102 @@
               <a:buChar char="•"/>
             </a:pPr>
             <a:r>
-              <a:rPr lang="lv-LV" sz="2400" dirty="0" smtClean="0"/>
-              <a:t>Obligāta balsošana vai </a:t>
-            </a:r>
-            <a:r>
-              <a:rPr lang="lv-LV" sz="2400" dirty="0" smtClean="0"/>
-              <a:t>morāls</a:t>
-            </a:r>
-            <a:endParaRPr lang="lv-LV" sz="2400" dirty="0" smtClean="0"/>
+              <a:rPr lang="lv-LV" sz="2000" b="1" dirty="0" smtClean="0"/>
+              <a:t>Kandidātu punkti:</a:t>
+            </a:r>
+            <a:r>
+              <a:rPr lang="lv-LV" sz="2000" dirty="0" smtClean="0"/>
+              <a:t> Vēlētāju signāls un troksnis</a:t>
+            </a:r>
+          </a:p>
+          <a:p>
+            <a:pPr marL="285750" indent="-285750">
+              <a:buFont typeface="Arial" panose="020B0604020202020204" pitchFamily="34" charset="0"/>
+              <a:buChar char="•"/>
+            </a:pPr>
+            <a:r>
+              <a:rPr lang="lv-LV" sz="2000" b="1" dirty="0" smtClean="0"/>
+              <a:t>Tautskaites un izlases:</a:t>
+            </a:r>
+            <a:r>
+              <a:rPr lang="lv-LV" sz="2000" dirty="0" smtClean="0"/>
+              <a:t> Vai precīzāk skaitīt visus, vai tikai dažus?</a:t>
+            </a:r>
+          </a:p>
+          <a:p>
+            <a:pPr marL="285750" indent="-285750">
+              <a:buFont typeface="Arial" panose="020B0604020202020204" pitchFamily="34" charset="0"/>
+              <a:buChar char="•"/>
+            </a:pPr>
+            <a:r>
+              <a:rPr lang="lv-LV" sz="2000" b="1" dirty="0" smtClean="0"/>
+              <a:t>Konvekcija:</a:t>
+            </a:r>
+            <a:r>
+              <a:rPr lang="lv-LV" sz="2000" dirty="0" smtClean="0"/>
+              <a:t> </a:t>
+            </a:r>
+            <a:r>
+              <a:rPr lang="lv-LV" sz="2000" dirty="0"/>
+              <a:t>V</a:t>
+            </a:r>
+            <a:r>
+              <a:rPr lang="lv-LV" sz="2000" dirty="0" smtClean="0"/>
+              <a:t>ēlētāju plūsma starp apgabaliem</a:t>
+            </a:r>
+          </a:p>
+          <a:p>
+            <a:pPr marL="285750" indent="-285750">
+              <a:buFont typeface="Arial" panose="020B0604020202020204" pitchFamily="34" charset="0"/>
+              <a:buChar char="•"/>
+            </a:pPr>
+            <a:r>
+              <a:rPr lang="lv-LV" sz="2000" b="1" dirty="0" smtClean="0"/>
+              <a:t>Personvārdu popularitāte: </a:t>
+            </a:r>
+            <a:r>
+              <a:rPr lang="lv-LV" sz="2000" dirty="0" smtClean="0"/>
+              <a:t>Vai var izmērīt etnisko balsojumu?</a:t>
+            </a:r>
+          </a:p>
+          <a:p>
+            <a:pPr marL="285750" indent="-285750">
+              <a:buFont typeface="Arial" panose="020B0604020202020204" pitchFamily="34" charset="0"/>
+              <a:buChar char="•"/>
+            </a:pPr>
+            <a:r>
+              <a:rPr lang="lv-LV" sz="2000" b="1" dirty="0" smtClean="0"/>
+              <a:t>Sarakstu ranžēšana: </a:t>
+            </a:r>
+            <a:r>
+              <a:rPr lang="lv-LV" sz="2000" dirty="0" smtClean="0"/>
+              <a:t>Un tā iespaids uz iznākumu</a:t>
+            </a:r>
+          </a:p>
+          <a:p>
+            <a:pPr marL="285750" indent="-285750">
+              <a:buFont typeface="Arial" panose="020B0604020202020204" pitchFamily="34" charset="0"/>
+              <a:buChar char="•"/>
+            </a:pPr>
+            <a:r>
+              <a:rPr lang="lv-LV" sz="2000" b="1" dirty="0" smtClean="0"/>
+              <a:t>Secinājumi</a:t>
+            </a:r>
+            <a:endParaRPr lang="lv-LV" sz="2000" dirty="0" smtClean="0"/>
+          </a:p>
+          <a:p>
+            <a:pPr marL="285750" indent="-285750">
+              <a:buFont typeface="Arial" panose="020B0604020202020204" pitchFamily="34" charset="0"/>
+              <a:buChar char="•"/>
+            </a:pPr>
+            <a:endParaRPr lang="lv-LV" sz="2000" dirty="0" smtClean="0"/>
           </a:p>
           <a:p>
             <a:pPr marL="285750" lvl="1" indent="-285750">
               <a:buFont typeface="Arial" panose="020B0604020202020204" pitchFamily="34" charset="0"/>
               <a:buChar char="•"/>
             </a:pPr>
-            <a:endParaRPr lang="lv-LV" sz="2400" dirty="0" smtClean="0"/>
+            <a:endParaRPr lang="lv-LV" sz="2000" dirty="0" smtClean="0"/>
           </a:p>
         </p:txBody>
       </p:sp>
@@ -3733,7 +4603,7 @@
         <p:spPr bwMode="auto">
           <a:xfrm>
             <a:off x="6257925" y="666750"/>
-            <a:ext cx="2733675" cy="4019550"/>
+            <a:ext cx="2487515" cy="3657600"/>
           </a:xfrm>
           <a:prstGeom prst="rect">
             <a:avLst/>
@@ -3750,6 +4620,44 @@
           </a:extLst>
         </p:spPr>
       </p:pic>
+      <p:sp>
+        <p:nvSpPr>
+          <p:cNvPr id="4" name="TextBox 3"/>
+          <p:cNvSpPr txBox="1"/>
+          <p:nvPr/>
+        </p:nvSpPr>
+        <p:spPr>
+          <a:xfrm>
+            <a:off x="5334000" y="4420169"/>
+            <a:ext cx="3762568" cy="369332"/>
+          </a:xfrm>
+          <a:prstGeom prst="rect">
+            <a:avLst/>
+          </a:prstGeom>
+          <a:noFill/>
+        </p:spPr>
+        <p:txBody>
+          <a:bodyPr wrap="none" rtlCol="0">
+            <a:spAutoFit/>
+          </a:bodyPr>
+          <a:lstStyle/>
+          <a:p>
+            <a:r>
+              <a:rPr lang="lv-LV" b="1" dirty="0" smtClean="0">
+                <a:solidFill>
+                  <a:srgbClr val="FF0000"/>
+                </a:solidFill>
+              </a:rPr>
+              <a:t>Meklēsim pazudušo, kur gaišāks</a:t>
+            </a:r>
+            <a:endParaRPr lang="en-GB" b="1" dirty="0">
+              <a:solidFill>
+                <a:srgbClr val="FF0000"/>
+              </a:solidFill>
+            </a:endParaRPr>
+          </a:p>
+        </p:txBody>
+      </p:sp>
     </p:spTree>
     <p:extLst>
       <p:ext uri="{BB962C8B-B14F-4D97-AF65-F5344CB8AC3E}">
@@ -3814,7 +4722,7 @@
           <a:p>
             <a:r>
               <a:rPr lang="lv-LV" sz="3600" dirty="0" smtClean="0"/>
-              <a:t>Kādi ir nevēlētāji?</a:t>
+              <a:t>Kandidātu punkti</a:t>
             </a:r>
             <a:endParaRPr lang="en-GB" sz="3600" dirty="0"/>
           </a:p>
@@ -3841,28 +4749,9 @@
             </a:pPr>
             <a:r>
               <a:rPr lang="lv-LV" dirty="0" smtClean="0"/>
-              <a:t>Pilsoņi, kuri grib, bet nevar nobalsot (latvieši svešumā; jaunieši līdz 18.g.v.)</a:t>
-            </a:r>
-          </a:p>
-          <a:p>
-            <a:pPr marL="285750" indent="-285750">
-              <a:buFont typeface="Arial" panose="020B0604020202020204" pitchFamily="34" charset="0"/>
-              <a:buChar char="•"/>
-            </a:pPr>
-            <a:r>
-              <a:rPr lang="lv-LV" dirty="0" smtClean="0"/>
-              <a:t>Ideju režģa minimumi un maksimumi</a:t>
-            </a:r>
-          </a:p>
-          <a:p>
-            <a:pPr marL="285750" indent="-285750">
-              <a:buFont typeface="Arial" panose="020B0604020202020204" pitchFamily="34" charset="0"/>
-              <a:buChar char="•"/>
-            </a:pPr>
-            <a:r>
-              <a:rPr lang="lv-LV" dirty="0" smtClean="0"/>
-              <a:t>Apolitiskums kā politiska izvēle</a:t>
-            </a:r>
+              <a:t>Punktu summēšana - stohastisks process</a:t>
+            </a:r>
+            <a:endParaRPr lang="lv-LV" dirty="0" smtClean="0"/>
           </a:p>
           <a:p>
             <a:pPr marL="285750" indent="-285750">
@@ -3897,6 +4786,10 @@
           </a:bodyPr>
           <a:lstStyle/>
           <a:p>
+            <a:r>
+              <a:rPr lang="lv-LV" dirty="0" smtClean="0"/>
+              <a:t>Vēlētāju signāls un troksnis</a:t>
+            </a:r>
             <a:endParaRPr lang="en-GB" dirty="0"/>
           </a:p>
         </p:txBody>
@@ -3961,10 +4854,6 @@
           <a:bodyPr/>
           <a:lstStyle/>
           <a:p>
-            <a:r>
-              <a:rPr lang="lv-LV" dirty="0" smtClean="0"/>
-              <a:t>Nobeigums</a:t>
-            </a:r>
             <a:endParaRPr lang="en-GB" dirty="0"/>
           </a:p>
         </p:txBody>
@@ -3976,76 +4865,43 @@
             <a:spLocks noGrp="1"/>
           </p:cNvSpPr>
           <p:nvPr>
-            <p:ph type="body" sz="quarter" idx="11"/>
-          </p:nvPr>
-        </p:nvSpPr>
-        <p:spPr>
-          <a:xfrm>
-            <a:off x="381000" y="2495550"/>
-            <a:ext cx="5867400" cy="2057400"/>
-          </a:xfrm>
-        </p:spPr>
+            <p:ph type="body" idx="10"/>
+          </p:nvPr>
+        </p:nvSpPr>
+        <p:spPr/>
         <p:txBody>
           <a:bodyPr/>
           <a:lstStyle/>
           <a:p>
-            <a:pPr marL="285750" indent="-285750">
+            <a:pPr marL="457200" indent="-457200">
               <a:buFont typeface="Arial" panose="020B0604020202020204" pitchFamily="34" charset="0"/>
               <a:buChar char="•"/>
             </a:pPr>
             <a:r>
-              <a:rPr lang="lv-LV" dirty="0" smtClean="0"/>
-              <a:t>Nepieciešams pragmatisms un plašāks skatījums</a:t>
-            </a:r>
-          </a:p>
-          <a:p>
-            <a:pPr marL="285750" indent="-285750">
+              <a:rPr lang="lv-LV" sz="2800" dirty="0" smtClean="0"/>
+              <a:t>Individuālās kampaņas – Kārlis Krēsliņš, arī Jānis Junkurs... (ne vienmēr labi atbilst partijas kampaņai)</a:t>
+            </a:r>
+          </a:p>
+          <a:p>
+            <a:pPr marL="457200" indent="-457200">
               <a:buFont typeface="Arial" panose="020B0604020202020204" pitchFamily="34" charset="0"/>
               <a:buChar char="•"/>
             </a:pPr>
-            <a:r>
-              <a:rPr lang="lv-LV" dirty="0" smtClean="0"/>
-              <a:t>Kā atšķiras Tērbatas un Maskavas studenti?</a:t>
-            </a:r>
-          </a:p>
-          <a:p>
-            <a:pPr marL="285750" indent="-285750">
+            <a:endParaRPr lang="lv-LV" sz="2800" dirty="0" smtClean="0"/>
+          </a:p>
+          <a:p>
+            <a:pPr marL="457200" indent="-457200">
               <a:buFont typeface="Arial" panose="020B0604020202020204" pitchFamily="34" charset="0"/>
               <a:buChar char="•"/>
             </a:pPr>
-            <a:r>
-              <a:rPr lang="lv-LV" dirty="0" smtClean="0"/>
-              <a:t>Pateicības</a:t>
-            </a:r>
-            <a:endParaRPr lang="en-GB" dirty="0"/>
-          </a:p>
-        </p:txBody>
-      </p:sp>
-      <p:sp>
-        <p:nvSpPr>
-          <p:cNvPr id="6" name="Text Placeholder 5"/>
-          <p:cNvSpPr>
-            <a:spLocks noGrp="1"/>
-          </p:cNvSpPr>
-          <p:nvPr>
-            <p:ph type="body" sz="quarter" idx="12"/>
-          </p:nvPr>
-        </p:nvSpPr>
-        <p:spPr/>
-        <p:txBody>
-          <a:bodyPr>
-            <a:normAutofit fontScale="85000" lnSpcReduction="20000"/>
-          </a:bodyPr>
-          <a:lstStyle/>
-          <a:p>
-            <a:endParaRPr lang="en-GB"/>
+            <a:endParaRPr lang="lv-LV" sz="2800" dirty="0" smtClean="0"/>
           </a:p>
         </p:txBody>
       </p:sp>
     </p:spTree>
     <p:extLst>
       <p:ext uri="{BB962C8B-B14F-4D97-AF65-F5344CB8AC3E}">
-        <p14:creationId xmlns:p14="http://schemas.microsoft.com/office/powerpoint/2010/main" val="1697370969"/>
+        <p14:creationId xmlns:p14="http://schemas.microsoft.com/office/powerpoint/2010/main" val="1761708391"/>
       </p:ext>
     </p:extLst>
   </p:cSld>
@@ -4089,6 +4945,514 @@
       </p:grpSpPr>
       <p:sp>
         <p:nvSpPr>
+          <p:cNvPr id="8" name="Title 7"/>
+          <p:cNvSpPr>
+            <a:spLocks noGrp="1"/>
+          </p:cNvSpPr>
+          <p:nvPr>
+            <p:ph type="title"/>
+          </p:nvPr>
+        </p:nvSpPr>
+        <p:spPr/>
+        <p:txBody>
+          <a:bodyPr/>
+          <a:lstStyle/>
+          <a:p>
+            <a:r>
+              <a:rPr lang="lv-LV" dirty="0" smtClean="0"/>
+              <a:t>Tautskaites un izlases</a:t>
+            </a:r>
+            <a:endParaRPr lang="en-GB" dirty="0"/>
+          </a:p>
+        </p:txBody>
+      </p:sp>
+      <p:sp>
+        <p:nvSpPr>
+          <p:cNvPr id="9" name="Text Placeholder 8"/>
+          <p:cNvSpPr>
+            <a:spLocks noGrp="1"/>
+          </p:cNvSpPr>
+          <p:nvPr>
+            <p:ph type="body" sz="quarter" idx="11"/>
+          </p:nvPr>
+        </p:nvSpPr>
+        <p:spPr/>
+        <p:txBody>
+          <a:bodyPr/>
+          <a:lstStyle/>
+          <a:p>
+            <a:endParaRPr lang="en-GB"/>
+          </a:p>
+        </p:txBody>
+      </p:sp>
+      <p:sp>
+        <p:nvSpPr>
+          <p:cNvPr id="10" name="Text Placeholder 9"/>
+          <p:cNvSpPr>
+            <a:spLocks noGrp="1"/>
+          </p:cNvSpPr>
+          <p:nvPr>
+            <p:ph type="body" sz="quarter" idx="12"/>
+          </p:nvPr>
+        </p:nvSpPr>
+        <p:spPr/>
+        <p:txBody>
+          <a:bodyPr/>
+          <a:lstStyle/>
+          <a:p>
+            <a:endParaRPr lang="en-GB"/>
+          </a:p>
+        </p:txBody>
+      </p:sp>
+    </p:spTree>
+    <p:extLst>
+      <p:ext uri="{BB962C8B-B14F-4D97-AF65-F5344CB8AC3E}">
+        <p14:creationId xmlns:p14="http://schemas.microsoft.com/office/powerpoint/2010/main" val="2775222288"/>
+      </p:ext>
+    </p:extLst>
+  </p:cSld>
+  <p:clrMapOvr>
+    <a:masterClrMapping/>
+  </p:clrMapOvr>
+</p:sld>
+</file>
+
+<file path=ppt/slides/slide6.xml><?xml version="1.0" encoding="utf-8"?>
+<p:sld xmlns:a="http://schemas.openxmlformats.org/drawingml/2006/main" xmlns:r="http://schemas.openxmlformats.org/officeDocument/2006/relationships" xmlns:p="http://schemas.openxmlformats.org/presentationml/2006/main">
+  <p:cSld>
+    <p:spTree>
+      <p:nvGrpSpPr>
+        <p:cNvPr id="1" name=""/>
+        <p:cNvGrpSpPr/>
+        <p:nvPr/>
+      </p:nvGrpSpPr>
+      <p:grpSpPr>
+        <a:xfrm>
+          <a:off x="0" y="0"/>
+          <a:ext cx="0" cy="0"/>
+          <a:chOff x="0" y="0"/>
+          <a:chExt cx="0" cy="0"/>
+        </a:xfrm>
+      </p:grpSpPr>
+      <p:sp>
+        <p:nvSpPr>
+          <p:cNvPr id="2" name="Title 1"/>
+          <p:cNvSpPr>
+            <a:spLocks noGrp="1"/>
+          </p:cNvSpPr>
+          <p:nvPr>
+            <p:ph type="title"/>
+          </p:nvPr>
+        </p:nvSpPr>
+        <p:spPr/>
+        <p:txBody>
+          <a:bodyPr/>
+          <a:lstStyle/>
+          <a:p>
+            <a:r>
+              <a:rPr lang="lv-LV" dirty="0" smtClean="0"/>
+              <a:t>1 vēlētājs = 1 balss?</a:t>
+            </a:r>
+            <a:endParaRPr lang="en-GB" dirty="0"/>
+          </a:p>
+        </p:txBody>
+      </p:sp>
+      <p:pic>
+        <p:nvPicPr>
+          <p:cNvPr id="1026" name="Picture 2" descr="Embedded image permalink"/>
+          <p:cNvPicPr>
+            <a:picLocks noChangeAspect="1" noChangeArrowheads="1"/>
+          </p:cNvPicPr>
+          <p:nvPr/>
+        </p:nvPicPr>
+        <p:blipFill>
+          <a:blip r:embed="rId2">
+            <a:extLst>
+              <a:ext uri="{28A0092B-C50C-407E-A947-70E740481C1C}">
+                <a14:useLocalDpi xmlns:a14="http://schemas.microsoft.com/office/drawing/2010/main" val="0"/>
+              </a:ext>
+            </a:extLst>
+          </a:blip>
+          <a:srcRect/>
+          <a:stretch>
+            <a:fillRect/>
+          </a:stretch>
+        </p:blipFill>
+        <p:spPr bwMode="auto">
+          <a:xfrm>
+            <a:off x="0" y="971550"/>
+            <a:ext cx="8191497" cy="3276600"/>
+          </a:xfrm>
+          <a:prstGeom prst="rect">
+            <a:avLst/>
+          </a:prstGeom>
+          <a:noFill/>
+          <a:extLst>
+            <a:ext uri="{909E8E84-426E-40DD-AFC4-6F175D3DCCD1}">
+              <a14:hiddenFill xmlns:a14="http://schemas.microsoft.com/office/drawing/2010/main">
+                <a:solidFill>
+                  <a:srgbClr val="FFFFFF"/>
+                </a:solidFill>
+              </a14:hiddenFill>
+            </a:ext>
+          </a:extLst>
+        </p:spPr>
+      </p:pic>
+      <p:sp>
+        <p:nvSpPr>
+          <p:cNvPr id="6" name="Oval 5"/>
+          <p:cNvSpPr/>
+          <p:nvPr/>
+        </p:nvSpPr>
+        <p:spPr>
+          <a:xfrm>
+            <a:off x="8191497" y="2683777"/>
+            <a:ext cx="571503" cy="571503"/>
+          </a:xfrm>
+          <a:prstGeom prst="ellipse">
+            <a:avLst/>
+          </a:prstGeom>
+        </p:spPr>
+        <p:style>
+          <a:lnRef idx="2">
+            <a:schemeClr val="accent1">
+              <a:shade val="50000"/>
+            </a:schemeClr>
+          </a:lnRef>
+          <a:fillRef idx="1">
+            <a:schemeClr val="accent1"/>
+          </a:fillRef>
+          <a:effectRef idx="0">
+            <a:schemeClr val="accent1"/>
+          </a:effectRef>
+          <a:fontRef idx="minor">
+            <a:schemeClr val="lt1"/>
+          </a:fontRef>
+        </p:style>
+        <p:txBody>
+          <a:bodyPr rtlCol="0" anchor="ctr"/>
+          <a:lstStyle/>
+          <a:p>
+            <a:pPr algn="ctr"/>
+            <a:endParaRPr lang="en-GB"/>
+          </a:p>
+        </p:txBody>
+      </p:sp>
+      <p:sp>
+        <p:nvSpPr>
+          <p:cNvPr id="7" name="Pie 6"/>
+          <p:cNvSpPr/>
+          <p:nvPr/>
+        </p:nvSpPr>
+        <p:spPr>
+          <a:xfrm>
+            <a:off x="8190600" y="2037450"/>
+            <a:ext cx="572400" cy="572400"/>
+          </a:xfrm>
+          <a:prstGeom prst="pie">
+            <a:avLst>
+              <a:gd name="adj1" fmla="val 563199"/>
+              <a:gd name="adj2" fmla="val 16200000"/>
+            </a:avLst>
+          </a:prstGeom>
+        </p:spPr>
+        <p:style>
+          <a:lnRef idx="2">
+            <a:schemeClr val="accent1">
+              <a:shade val="50000"/>
+            </a:schemeClr>
+          </a:lnRef>
+          <a:fillRef idx="1">
+            <a:schemeClr val="accent1"/>
+          </a:fillRef>
+          <a:effectRef idx="0">
+            <a:schemeClr val="accent1"/>
+          </a:effectRef>
+          <a:fontRef idx="minor">
+            <a:schemeClr val="lt1"/>
+          </a:fontRef>
+        </p:style>
+        <p:txBody>
+          <a:bodyPr rtlCol="0" anchor="ctr"/>
+          <a:lstStyle/>
+          <a:p>
+            <a:pPr algn="ctr"/>
+            <a:endParaRPr lang="en-GB">
+              <a:solidFill>
+                <a:schemeClr val="tx1"/>
+              </a:solidFill>
+            </a:endParaRPr>
+          </a:p>
+        </p:txBody>
+      </p:sp>
+    </p:spTree>
+    <p:extLst>
+      <p:ext uri="{BB962C8B-B14F-4D97-AF65-F5344CB8AC3E}">
+        <p14:creationId xmlns:p14="http://schemas.microsoft.com/office/powerpoint/2010/main" val="2514384295"/>
+      </p:ext>
+    </p:extLst>
+  </p:cSld>
+  <p:clrMapOvr>
+    <a:masterClrMapping/>
+  </p:clrMapOvr>
+</p:sld>
+</file>
+
+<file path=ppt/slides/slide7.xml><?xml version="1.0" encoding="utf-8"?>
+<p:sld xmlns:a="http://schemas.openxmlformats.org/drawingml/2006/main" xmlns:r="http://schemas.openxmlformats.org/officeDocument/2006/relationships" xmlns:p="http://schemas.openxmlformats.org/presentationml/2006/main">
+  <p:cSld>
+    <p:spTree>
+      <p:nvGrpSpPr>
+        <p:cNvPr id="1" name=""/>
+        <p:cNvGrpSpPr/>
+        <p:nvPr/>
+      </p:nvGrpSpPr>
+      <p:grpSpPr>
+        <a:xfrm>
+          <a:off x="0" y="0"/>
+          <a:ext cx="0" cy="0"/>
+          <a:chOff x="0" y="0"/>
+          <a:chExt cx="0" cy="0"/>
+        </a:xfrm>
+      </p:grpSpPr>
+      <p:sp>
+        <p:nvSpPr>
+          <p:cNvPr id="2" name="Title 1"/>
+          <p:cNvSpPr>
+            <a:spLocks noGrp="1"/>
+          </p:cNvSpPr>
+          <p:nvPr>
+            <p:ph type="title"/>
+          </p:nvPr>
+        </p:nvSpPr>
+        <p:spPr/>
+        <p:txBody>
+          <a:bodyPr/>
+          <a:lstStyle/>
+          <a:p>
+            <a:r>
+              <a:rPr lang="lv-LV" dirty="0" smtClean="0"/>
+              <a:t>Vai šo disproporciju varētu labot?</a:t>
+            </a:r>
+            <a:endParaRPr lang="en-GB" dirty="0"/>
+          </a:p>
+        </p:txBody>
+      </p:sp>
+      <p:sp>
+        <p:nvSpPr>
+          <p:cNvPr id="3" name="Text Placeholder 2"/>
+          <p:cNvSpPr>
+            <a:spLocks noGrp="1"/>
+          </p:cNvSpPr>
+          <p:nvPr>
+            <p:ph type="body" idx="10"/>
+          </p:nvPr>
+        </p:nvSpPr>
+        <p:spPr/>
+        <p:txBody>
+          <a:bodyPr/>
+          <a:lstStyle/>
+          <a:p>
+            <a:r>
+              <a:rPr lang="lv-LV" sz="2400" b="1" dirty="0" smtClean="0"/>
+              <a:t>Alternatīvā pasaule</a:t>
+            </a:r>
+          </a:p>
+          <a:p>
+            <a:r>
+              <a:rPr lang="en-GB" dirty="0" err="1" smtClean="0"/>
+              <a:t>Dalot</a:t>
+            </a:r>
+            <a:r>
+              <a:rPr lang="en-GB" dirty="0" smtClean="0"/>
+              <a:t> </a:t>
+            </a:r>
+            <a:r>
+              <a:rPr lang="en-GB" dirty="0" err="1"/>
+              <a:t>pēc</a:t>
+            </a:r>
+            <a:r>
+              <a:rPr lang="en-GB" dirty="0"/>
+              <a:t> </a:t>
+            </a:r>
+            <a:r>
+              <a:rPr lang="en-GB" dirty="0" err="1"/>
+              <a:t>balsojušo</a:t>
+            </a:r>
+            <a:r>
+              <a:rPr lang="en-GB" dirty="0"/>
+              <a:t> </a:t>
+            </a:r>
+            <a:r>
+              <a:rPr lang="en-GB" dirty="0" err="1"/>
+              <a:t>skaita</a:t>
+            </a:r>
+            <a:r>
+              <a:rPr lang="en-GB" dirty="0"/>
+              <a:t> </a:t>
+            </a:r>
+            <a:r>
+              <a:rPr lang="en-GB" dirty="0" err="1"/>
+              <a:t>kā</a:t>
+            </a:r>
+            <a:r>
+              <a:rPr lang="en-GB" dirty="0"/>
+              <a:t> </a:t>
+            </a:r>
+            <a:r>
+              <a:rPr lang="en-GB" dirty="0" err="1"/>
+              <a:t>Saeimas</a:t>
+            </a:r>
+            <a:r>
+              <a:rPr lang="en-GB" dirty="0"/>
+              <a:t> </a:t>
+            </a:r>
+            <a:r>
+              <a:rPr lang="en-GB" dirty="0" err="1"/>
+              <a:t>vēlēšanu</a:t>
+            </a:r>
+            <a:r>
+              <a:rPr lang="en-GB" dirty="0"/>
+              <a:t> </a:t>
+            </a:r>
+            <a:r>
+              <a:rPr lang="en-GB" dirty="0" err="1"/>
+              <a:t>likuma</a:t>
+            </a:r>
+            <a:r>
+              <a:rPr lang="en-GB" dirty="0"/>
+              <a:t> 8.pantā: </a:t>
+            </a:r>
+            <a:r>
+              <a:rPr lang="en-GB" dirty="0" err="1" smtClean="0"/>
+              <a:t>Latgalei</a:t>
+            </a:r>
+            <a:r>
+              <a:rPr lang="lv-LV" dirty="0" smtClean="0"/>
+              <a:t> būtu</a:t>
+            </a:r>
+            <a:r>
+              <a:rPr lang="en-GB" dirty="0" smtClean="0"/>
+              <a:t> </a:t>
+            </a:r>
+            <a:r>
+              <a:rPr lang="en-GB" dirty="0"/>
+              <a:t>par 3 </a:t>
+            </a:r>
+            <a:r>
+              <a:rPr lang="en-GB" dirty="0" err="1"/>
+              <a:t>mazāk</a:t>
+            </a:r>
+            <a:r>
+              <a:rPr lang="en-GB" dirty="0"/>
+              <a:t>, </a:t>
+            </a:r>
+            <a:r>
+              <a:rPr lang="en-GB" dirty="0" err="1"/>
+              <a:t>Vidzemei</a:t>
+            </a:r>
+            <a:r>
+              <a:rPr lang="en-GB" dirty="0"/>
+              <a:t> par 3 </a:t>
+            </a:r>
+            <a:r>
+              <a:rPr lang="en-GB" dirty="0" err="1"/>
+              <a:t>vairāk</a:t>
+            </a:r>
+            <a:r>
+              <a:rPr lang="en-GB" dirty="0"/>
+              <a:t>, </a:t>
+            </a:r>
+            <a:r>
+              <a:rPr lang="en-GB" dirty="0" err="1"/>
+              <a:t>citur</a:t>
+            </a:r>
+            <a:r>
+              <a:rPr lang="en-GB" dirty="0"/>
+              <a:t> </a:t>
+            </a:r>
+            <a:r>
+              <a:rPr lang="en-GB" dirty="0" err="1"/>
+              <a:t>tas</a:t>
+            </a:r>
+            <a:r>
+              <a:rPr lang="en-GB" dirty="0"/>
+              <a:t> pats</a:t>
+            </a:r>
+            <a:r>
+              <a:rPr lang="en-GB" dirty="0" smtClean="0"/>
+              <a:t>.</a:t>
+            </a:r>
+            <a:endParaRPr lang="lv-LV" dirty="0" smtClean="0"/>
+          </a:p>
+          <a:p>
+            <a:endParaRPr lang="lv-LV" dirty="0"/>
+          </a:p>
+          <a:p>
+            <a:r>
+              <a:rPr lang="lv-LV" dirty="0" smtClean="0"/>
+              <a:t>Rīga        307435/32 = </a:t>
+            </a:r>
+          </a:p>
+          <a:p>
+            <a:r>
+              <a:rPr lang="lv-LV" dirty="0" smtClean="0"/>
+              <a:t>Vidzeme  251220/29 = </a:t>
+            </a:r>
+          </a:p>
+          <a:p>
+            <a:r>
+              <a:rPr lang="lv-LV" dirty="0" smtClean="0"/>
+              <a:t>Latgale    104920/12   </a:t>
+            </a:r>
+          </a:p>
+          <a:p>
+            <a:r>
+              <a:rPr lang="lv-LV" dirty="0" smtClean="0"/>
+              <a:t>Kurzeme  115121/13</a:t>
+            </a:r>
+          </a:p>
+          <a:p>
+            <a:r>
+              <a:rPr lang="lv-LV" dirty="0" smtClean="0"/>
+              <a:t>Zemgale  /14</a:t>
+            </a:r>
+            <a:endParaRPr lang="en-GB" dirty="0"/>
+          </a:p>
+        </p:txBody>
+      </p:sp>
+    </p:spTree>
+    <p:extLst>
+      <p:ext uri="{BB962C8B-B14F-4D97-AF65-F5344CB8AC3E}">
+        <p14:creationId xmlns:p14="http://schemas.microsoft.com/office/powerpoint/2010/main" val="2569915487"/>
+      </p:ext>
+    </p:extLst>
+  </p:cSld>
+  <p:clrMapOvr>
+    <a:masterClrMapping/>
+  </p:clrMapOvr>
+</p:sld>
+</file>
+
+<file path=ppt/slides/slide8.xml><?xml version="1.0" encoding="utf-8"?>
+<p:sld xmlns:a="http://schemas.openxmlformats.org/drawingml/2006/main" xmlns:r="http://schemas.openxmlformats.org/officeDocument/2006/relationships" xmlns:p="http://schemas.openxmlformats.org/presentationml/2006/main">
+  <p:cSld>
+    <p:spTree>
+      <p:nvGrpSpPr>
+        <p:cNvPr id="1" name=""/>
+        <p:cNvGrpSpPr/>
+        <p:nvPr/>
+      </p:nvGrpSpPr>
+      <p:grpSpPr>
+        <a:xfrm>
+          <a:off x="0" y="0"/>
+          <a:ext cx="0" cy="0"/>
+          <a:chOff x="0" y="0"/>
+          <a:chExt cx="0" cy="0"/>
+        </a:xfrm>
+      </p:grpSpPr>
+      <p:sp>
+        <p:nvSpPr>
           <p:cNvPr id="4" name="Title 3"/>
           <p:cNvSpPr>
             <a:spLocks noGrp="1"/>
@@ -4102,6 +5466,10 @@
           <a:bodyPr/>
           <a:lstStyle/>
           <a:p>
+            <a:r>
+              <a:rPr lang="lv-LV" dirty="0" smtClean="0"/>
+              <a:t>Konvekcija</a:t>
+            </a:r>
             <a:endParaRPr lang="en-GB" dirty="0"/>
           </a:p>
         </p:txBody>
@@ -4113,7 +5481,7 @@
             <a:spLocks noGrp="1"/>
           </p:cNvSpPr>
           <p:nvPr>
-            <p:ph type="body" idx="10"/>
+            <p:ph type="body" sz="quarter" idx="11"/>
           </p:nvPr>
         </p:nvSpPr>
         <p:spPr/>
@@ -4121,35 +5489,151 @@
           <a:bodyPr/>
           <a:lstStyle/>
           <a:p>
-            <a:pPr marL="457200" indent="-457200">
+            <a:pPr marL="285750" indent="-285750">
               <a:buFont typeface="Arial" panose="020B0604020202020204" pitchFamily="34" charset="0"/>
               <a:buChar char="•"/>
             </a:pPr>
             <a:r>
-              <a:rPr lang="lv-LV" sz="2800" dirty="0" smtClean="0"/>
-              <a:t>Individuālās kampaņas – Kārlis Krēsliņš, arī Jānis Junkurs... (ne vienmēr labi atbilst partijas kampaņai)</a:t>
-            </a:r>
-          </a:p>
-          <a:p>
-            <a:pPr marL="457200" indent="-457200">
+              <a:rPr lang="lv-LV" dirty="0" smtClean="0"/>
+              <a:t>Vēlētāju pievešana ar autobusiem</a:t>
+            </a:r>
+            <a:endParaRPr lang="en-GB" dirty="0"/>
+          </a:p>
+        </p:txBody>
+      </p:sp>
+      <p:sp>
+        <p:nvSpPr>
+          <p:cNvPr id="6" name="Text Placeholder 5"/>
+          <p:cNvSpPr>
+            <a:spLocks noGrp="1"/>
+          </p:cNvSpPr>
+          <p:nvPr>
+            <p:ph type="body" sz="quarter" idx="12"/>
+          </p:nvPr>
+        </p:nvSpPr>
+        <p:spPr/>
+        <p:txBody>
+          <a:bodyPr/>
+          <a:lstStyle/>
+          <a:p>
+            <a:endParaRPr lang="en-GB"/>
+          </a:p>
+        </p:txBody>
+      </p:sp>
+    </p:spTree>
+    <p:extLst>
+      <p:ext uri="{BB962C8B-B14F-4D97-AF65-F5344CB8AC3E}">
+        <p14:creationId xmlns:p14="http://schemas.microsoft.com/office/powerpoint/2010/main" val="651936328"/>
+      </p:ext>
+    </p:extLst>
+  </p:cSld>
+  <p:clrMapOvr>
+    <a:masterClrMapping/>
+  </p:clrMapOvr>
+</p:sld>
+</file>
+
+<file path=ppt/slides/slide9.xml><?xml version="1.0" encoding="utf-8"?>
+<p:sld xmlns:a="http://schemas.openxmlformats.org/drawingml/2006/main" xmlns:r="http://schemas.openxmlformats.org/officeDocument/2006/relationships" xmlns:p="http://schemas.openxmlformats.org/presentationml/2006/main">
+  <p:cSld>
+    <p:spTree>
+      <p:nvGrpSpPr>
+        <p:cNvPr id="1" name=""/>
+        <p:cNvGrpSpPr/>
+        <p:nvPr/>
+      </p:nvGrpSpPr>
+      <p:grpSpPr>
+        <a:xfrm>
+          <a:off x="0" y="0"/>
+          <a:ext cx="0" cy="0"/>
+          <a:chOff x="0" y="0"/>
+          <a:chExt cx="0" cy="0"/>
+        </a:xfrm>
+      </p:grpSpPr>
+      <p:sp>
+        <p:nvSpPr>
+          <p:cNvPr id="4" name="Title 3"/>
+          <p:cNvSpPr>
+            <a:spLocks noGrp="1"/>
+          </p:cNvSpPr>
+          <p:nvPr>
+            <p:ph type="title"/>
+          </p:nvPr>
+        </p:nvSpPr>
+        <p:spPr/>
+        <p:txBody>
+          <a:bodyPr/>
+          <a:lstStyle/>
+          <a:p>
+            <a:r>
+              <a:rPr lang="lv-LV" dirty="0" smtClean="0"/>
+              <a:t>Vēlētāju nevienmērīgā aktivitāte</a:t>
+            </a:r>
+            <a:endParaRPr lang="en-GB" dirty="0"/>
+          </a:p>
+        </p:txBody>
+      </p:sp>
+      <p:sp>
+        <p:nvSpPr>
+          <p:cNvPr id="5" name="Text Placeholder 4"/>
+          <p:cNvSpPr>
+            <a:spLocks noGrp="1"/>
+          </p:cNvSpPr>
+          <p:nvPr>
+            <p:ph type="body" idx="10"/>
+          </p:nvPr>
+        </p:nvSpPr>
+        <p:spPr/>
+        <p:txBody>
+          <a:bodyPr/>
+          <a:lstStyle/>
+          <a:p>
+            <a:pPr marL="285750" indent="-285750">
               <a:buFont typeface="Arial" panose="020B0604020202020204" pitchFamily="34" charset="0"/>
               <a:buChar char="•"/>
             </a:pPr>
-            <a:endParaRPr lang="lv-LV" sz="2800" dirty="0" smtClean="0"/>
-          </a:p>
-          <a:p>
-            <a:pPr marL="457200" indent="-457200">
+            <a:r>
+              <a:rPr lang="lv-LV" dirty="0" smtClean="0"/>
+              <a:t>Saulkrastos bieži nobalso &gt;100% (attiecībā pret šajā novadā reģistrētajiem vēlētājiem)</a:t>
+            </a:r>
+          </a:p>
+          <a:p>
+            <a:pPr marL="285750" indent="-285750">
               <a:buFont typeface="Arial" panose="020B0604020202020204" pitchFamily="34" charset="0"/>
               <a:buChar char="•"/>
             </a:pPr>
-            <a:endParaRPr lang="lv-LV" sz="2800" dirty="0" smtClean="0"/>
+            <a:r>
+              <a:rPr lang="lv-LV" dirty="0" smtClean="0"/>
+              <a:t>Vēlētāji pārvietojas (nav pienākuma balsot atbilstoši vēlētāju reģistram)</a:t>
+            </a:r>
+          </a:p>
+          <a:p>
+            <a:pPr marL="285750" indent="-285750">
+              <a:buFont typeface="Arial" panose="020B0604020202020204" pitchFamily="34" charset="0"/>
+              <a:buChar char="•"/>
+            </a:pPr>
+            <a:endParaRPr lang="lv-LV" dirty="0"/>
+          </a:p>
+          <a:p>
+            <a:pPr marL="285750" indent="-285750">
+              <a:buFont typeface="Arial" panose="020B0604020202020204" pitchFamily="34" charset="0"/>
+              <a:buChar char="•"/>
+            </a:pPr>
+            <a:r>
+              <a:rPr lang="lv-LV" b="1" dirty="0" smtClean="0"/>
+              <a:t>Sekas: </a:t>
+            </a:r>
+            <a:r>
+              <a:rPr lang="lv-LV" dirty="0" smtClean="0"/>
+              <a:t>Ja kādā vēlēšanu iecirknī konstatē pārkāpumus, pat teorētiski nevar pārbalsot attiecīgajā iecirknī, novadā, apgabalā.</a:t>
+            </a:r>
           </a:p>
         </p:txBody>
       </p:sp>
     </p:spTree>
     <p:extLst>
       <p:ext uri="{BB962C8B-B14F-4D97-AF65-F5344CB8AC3E}">
-        <p14:creationId xmlns:p14="http://schemas.microsoft.com/office/powerpoint/2010/main" val="1761708391"/>
+        <p14:creationId xmlns:p14="http://schemas.microsoft.com/office/powerpoint/2010/main" val="4212837768"/>
       </p:ext>
     </p:extLst>
   </p:cSld>
@@ -4164,13 +5648,6 @@
       <p:transition spd="slow"/>
     </mc:Fallback>
   </mc:AlternateContent>
-  <p:timing>
-    <p:tnLst>
-      <p:par>
-        <p:cTn id="1" dur="indefinite" restart="never" nodeType="tmRoot"/>
-      </p:par>
-    </p:tnLst>
-  </p:timing>
 </p:sld>
 </file>
 
